--- a/readme.pptx
+++ b/readme.pptx
@@ -105,6 +105,11 @@
       </a:defRPr>
     </a:lvl9pPr>
   </p:defaultTextStyle>
+  <p:extLst>
+    <p:ext uri="{EFAFB233-063F-42B5-8137-9DF3F51BA10A}">
+      <p15:sldGuideLst xmlns:p15="http://schemas.microsoft.com/office/powerpoint/2012/main"/>
+    </p:ext>
+  </p:extLst>
 </p:presentation>
 </file>
 
@@ -4686,6 +4691,141 @@
           </a:p>
         </p:txBody>
       </p:sp>
+      <p:sp>
+        <p:nvSpPr>
+          <p:cNvPr id="5" name="テキスト ボックス 4">
+            <a:extLst>
+              <a:ext uri="{FF2B5EF4-FFF2-40B4-BE49-F238E27FC236}">
+                <a16:creationId xmlns:a16="http://schemas.microsoft.com/office/drawing/2014/main" id="{22E091D0-7D9B-F84E-E3DC-7B0A2481A4A4}"/>
+              </a:ext>
+            </a:extLst>
+          </p:cNvPr>
+          <p:cNvSpPr txBox="1"/>
+          <p:nvPr/>
+        </p:nvSpPr>
+        <p:spPr>
+          <a:xfrm>
+            <a:off x="6248916" y="3751140"/>
+            <a:ext cx="5137121" cy="923330"/>
+          </a:xfrm>
+          <a:prstGeom prst="rect">
+            <a:avLst/>
+          </a:prstGeom>
+          <a:noFill/>
+          <a:ln w="38100">
+            <a:solidFill>
+              <a:schemeClr val="tx1"/>
+            </a:solidFill>
+          </a:ln>
+        </p:spPr>
+        <p:txBody>
+          <a:bodyPr wrap="square" rtlCol="0">
+            <a:spAutoFit/>
+          </a:bodyPr>
+          <a:lstStyle/>
+          <a:p>
+            <a:pPr algn="ctr"/>
+            <a:r>
+              <a:rPr lang="en-US" altLang="ja-JP" b="1" dirty="0">
+                <a:solidFill>
+                  <a:srgbClr val="00B0F0"/>
+                </a:solidFill>
+              </a:rPr>
+              <a:t>------</a:t>
+            </a:r>
+            <a:r>
+              <a:rPr lang="ja-JP" altLang="en-US" b="1" dirty="0">
+                <a:solidFill>
+                  <a:srgbClr val="00B0F0"/>
+                </a:solidFill>
+              </a:rPr>
+              <a:t>　</a:t>
+            </a:r>
+            <a:r>
+              <a:rPr lang="en-US" altLang="ja-JP" b="1" dirty="0">
+                <a:solidFill>
+                  <a:srgbClr val="00B0F0"/>
+                </a:solidFill>
+              </a:rPr>
+              <a:t>PDF</a:t>
+            </a:r>
+            <a:r>
+              <a:rPr lang="ja-JP" altLang="en-US" b="1" dirty="0">
+                <a:solidFill>
+                  <a:srgbClr val="00B0F0"/>
+                </a:solidFill>
+              </a:rPr>
+              <a:t>の処理　</a:t>
+            </a:r>
+            <a:r>
+              <a:rPr lang="en-US" altLang="ja-JP" b="1" dirty="0">
+                <a:solidFill>
+                  <a:srgbClr val="00B0F0"/>
+                </a:solidFill>
+              </a:rPr>
+              <a:t> ------</a:t>
+            </a:r>
+          </a:p>
+          <a:p>
+            <a:r>
+              <a:rPr lang="ja-JP" altLang="en-US" b="1" dirty="0"/>
+              <a:t>　タイプ</a:t>
+            </a:r>
+            <a:r>
+              <a:rPr lang="en-US" altLang="ja-JP" b="1" dirty="0"/>
+              <a:t>1</a:t>
+            </a:r>
+            <a:r>
+              <a:rPr lang="ja-JP" altLang="en-US" b="1" dirty="0"/>
+              <a:t>：表のみを抽出し</a:t>
+            </a:r>
+            <a:r>
+              <a:rPr lang="en-US" altLang="ja-JP" b="1" dirty="0"/>
+              <a:t>CSV</a:t>
+            </a:r>
+            <a:r>
+              <a:rPr lang="ja-JP" altLang="en-US" b="1" dirty="0"/>
+              <a:t>化</a:t>
+            </a:r>
+            <a:endParaRPr lang="en-US" altLang="ja-JP" b="1" dirty="0"/>
+          </a:p>
+          <a:p>
+            <a:r>
+              <a:rPr lang="ja-JP" altLang="en-US" b="1" dirty="0"/>
+              <a:t>　タイプ</a:t>
+            </a:r>
+            <a:r>
+              <a:rPr lang="en-US" altLang="ja-JP" b="1" dirty="0"/>
+              <a:t>2</a:t>
+            </a:r>
+            <a:r>
+              <a:rPr lang="ja-JP" altLang="en-US" b="1" dirty="0"/>
+              <a:t>：</a:t>
+            </a:r>
+            <a:r>
+              <a:rPr kumimoji="1" lang="ja-JP" altLang="en-US" b="1" dirty="0"/>
+              <a:t>文章から</a:t>
+            </a:r>
+            <a:r>
+              <a:rPr kumimoji="1" lang="en-US" altLang="ja-JP" b="1" dirty="0"/>
+              <a:t>AI</a:t>
+            </a:r>
+            <a:r>
+              <a:rPr kumimoji="1" lang="ja-JP" altLang="en-US" b="1" dirty="0"/>
+              <a:t>により</a:t>
+            </a:r>
+            <a:r>
+              <a:rPr kumimoji="1" lang="en-US" altLang="ja-JP" b="1" dirty="0"/>
+              <a:t>CSV</a:t>
+            </a:r>
+            <a:r>
+              <a:rPr kumimoji="1" lang="ja-JP" altLang="en-US" b="1" dirty="0"/>
+              <a:t>化</a:t>
+            </a:r>
+            <a:endParaRPr kumimoji="1" lang="ja-JP" altLang="en-US" dirty="0"/>
+          </a:p>
+        </p:txBody>
+      </p:sp>
     </p:spTree>
     <p:extLst>
       <p:ext uri="{BB962C8B-B14F-4D97-AF65-F5344CB8AC3E}">

--- a/readme.pptx
+++ b/readme.pptx
@@ -4071,10 +4071,10 @@
       </p:grpSpPr>
       <p:sp>
         <p:nvSpPr>
-          <p:cNvPr id="4" name="テキスト ボックス 3">
-            <a:extLst>
-              <a:ext uri="{FF2B5EF4-FFF2-40B4-BE49-F238E27FC236}">
-                <a16:creationId xmlns:a16="http://schemas.microsoft.com/office/drawing/2014/main" id="{C96146F5-BAFB-391E-8A61-117E66E391F5}"/>
+          <p:cNvPr id="8" name="テキスト ボックス 7">
+            <a:extLst>
+              <a:ext uri="{FF2B5EF4-FFF2-40B4-BE49-F238E27FC236}">
+                <a16:creationId xmlns:a16="http://schemas.microsoft.com/office/drawing/2014/main" id="{E0A6AAC0-5B97-BF87-DAC5-28865C4F889D}"/>
               </a:ext>
             </a:extLst>
           </p:cNvPr>
@@ -4083,170 +4083,7 @@
         </p:nvSpPr>
         <p:spPr>
           <a:xfrm>
-            <a:off x="2163202" y="205439"/>
-            <a:ext cx="8654854" cy="584775"/>
-          </a:xfrm>
-          <a:prstGeom prst="rect">
-            <a:avLst/>
-          </a:prstGeom>
-          <a:noFill/>
-        </p:spPr>
-        <p:txBody>
-          <a:bodyPr wrap="square" rtlCol="0">
-            <a:spAutoFit/>
-          </a:bodyPr>
-          <a:lstStyle/>
-          <a:p>
-            <a:r>
-              <a:rPr kumimoji="1" lang="en-US" altLang="ja-JP" sz="3200" b="1" dirty="0" err="1"/>
-              <a:t>TokyoOD_downloader</a:t>
-            </a:r>
-            <a:r>
-              <a:rPr kumimoji="1" lang="ja-JP" altLang="en-US" sz="3200" b="1" dirty="0"/>
-              <a:t>　</a:t>
-            </a:r>
-            <a:r>
-              <a:rPr kumimoji="1" lang="en-US" altLang="ja-JP" sz="3200" b="1" dirty="0"/>
-              <a:t>+</a:t>
-            </a:r>
-            <a:r>
-              <a:rPr kumimoji="1" lang="ja-JP" altLang="en-US" sz="3200" b="1" dirty="0"/>
-              <a:t>　</a:t>
-            </a:r>
-            <a:r>
-              <a:rPr kumimoji="1" lang="en-US" altLang="ja-JP" sz="3200" b="1" dirty="0"/>
-              <a:t>【ODB】</a:t>
-            </a:r>
-            <a:endParaRPr kumimoji="1" lang="ja-JP" altLang="en-US" sz="3200" b="1" dirty="0"/>
-          </a:p>
-        </p:txBody>
-      </p:sp>
-      <p:sp>
-        <p:nvSpPr>
-          <p:cNvPr id="2" name="テキスト ボックス 1">
-            <a:extLst>
-              <a:ext uri="{FF2B5EF4-FFF2-40B4-BE49-F238E27FC236}">
-                <a16:creationId xmlns:a16="http://schemas.microsoft.com/office/drawing/2014/main" id="{BF53DC29-FD51-4496-D527-2E102992B2B9}"/>
-              </a:ext>
-            </a:extLst>
-          </p:cNvPr>
-          <p:cNvSpPr txBox="1"/>
-          <p:nvPr/>
-        </p:nvSpPr>
-        <p:spPr>
-          <a:xfrm>
-            <a:off x="805963" y="1584137"/>
-            <a:ext cx="4295334" cy="923330"/>
-          </a:xfrm>
-          <a:prstGeom prst="rect">
-            <a:avLst/>
-          </a:prstGeom>
-          <a:noFill/>
-          <a:ln w="38100">
-            <a:solidFill>
-              <a:schemeClr val="tx1"/>
-            </a:solidFill>
-          </a:ln>
-        </p:spPr>
-        <p:txBody>
-          <a:bodyPr wrap="square" rtlCol="0">
-            <a:spAutoFit/>
-          </a:bodyPr>
-          <a:lstStyle/>
-          <a:p>
-            <a:pPr algn="ctr"/>
-            <a:r>
-              <a:rPr kumimoji="1" lang="ja-JP" altLang="en-US" dirty="0"/>
-              <a:t>実際にデータをダウンロード</a:t>
-            </a:r>
-            <a:endParaRPr kumimoji="1" lang="en-US" altLang="ja-JP" dirty="0"/>
-          </a:p>
-          <a:p>
-            <a:pPr algn="ctr"/>
-            <a:r>
-              <a:rPr lang="en-US" altLang="ja-JP" dirty="0"/>
-              <a:t>【ODB】</a:t>
-            </a:r>
-          </a:p>
-          <a:p>
-            <a:pPr algn="ctr"/>
-            <a:r>
-              <a:rPr lang="ja-JP" altLang="en-US" dirty="0"/>
-              <a:t>送り込み　</a:t>
-            </a:r>
-            <a:r>
-              <a:rPr lang="en-US" altLang="ja-JP" dirty="0"/>
-              <a:t>OR</a:t>
-            </a:r>
-            <a:r>
-              <a:rPr lang="ja-JP" altLang="en-US" dirty="0"/>
-              <a:t>　関数利用</a:t>
-            </a:r>
-            <a:endParaRPr kumimoji="1" lang="ja-JP" altLang="en-US" dirty="0"/>
-          </a:p>
-        </p:txBody>
-      </p:sp>
-      <p:cxnSp>
-        <p:nvCxnSpPr>
-          <p:cNvPr id="3" name="直線矢印コネクタ 2">
-            <a:extLst>
-              <a:ext uri="{FF2B5EF4-FFF2-40B4-BE49-F238E27FC236}">
-                <a16:creationId xmlns:a16="http://schemas.microsoft.com/office/drawing/2014/main" id="{A77D556F-05EB-D408-74F5-125D76535D0D}"/>
-              </a:ext>
-            </a:extLst>
-          </p:cNvPr>
-          <p:cNvCxnSpPr>
-            <a:cxnSpLocks/>
-            <a:stCxn id="2" idx="2"/>
-            <a:endCxn id="8" idx="0"/>
-          </p:cNvCxnSpPr>
-          <p:nvPr/>
-        </p:nvCxnSpPr>
-        <p:spPr>
-          <a:xfrm>
-            <a:off x="2953630" y="2507467"/>
-            <a:ext cx="0" cy="401013"/>
-          </a:xfrm>
-          <a:prstGeom prst="straightConnector1">
-            <a:avLst/>
-          </a:prstGeom>
-          <a:ln w="38100">
-            <a:solidFill>
-              <a:schemeClr val="tx1"/>
-            </a:solidFill>
-            <a:tailEnd type="triangle"/>
-          </a:ln>
-        </p:spPr>
-        <p:style>
-          <a:lnRef idx="1">
-            <a:schemeClr val="accent1"/>
-          </a:lnRef>
-          <a:fillRef idx="0">
-            <a:schemeClr val="accent1"/>
-          </a:fillRef>
-          <a:effectRef idx="0">
-            <a:schemeClr val="accent1"/>
-          </a:effectRef>
-          <a:fontRef idx="minor">
-            <a:schemeClr val="tx1"/>
-          </a:fontRef>
-        </p:style>
-      </p:cxnSp>
-      <p:sp>
-        <p:nvSpPr>
-          <p:cNvPr id="8" name="テキスト ボックス 7">
-            <a:extLst>
-              <a:ext uri="{FF2B5EF4-FFF2-40B4-BE49-F238E27FC236}">
-                <a16:creationId xmlns:a16="http://schemas.microsoft.com/office/drawing/2014/main" id="{E0A6AAC0-5B97-BF87-DAC5-28865C4F889D}"/>
-              </a:ext>
-            </a:extLst>
-          </p:cNvPr>
-          <p:cNvSpPr txBox="1"/>
-          <p:nvPr/>
-        </p:nvSpPr>
-        <p:spPr>
-          <a:xfrm>
-            <a:off x="805963" y="2908480"/>
+            <a:off x="972217" y="894953"/>
             <a:ext cx="4295334" cy="954107"/>
           </a:xfrm>
           <a:prstGeom prst="rect">
@@ -4335,7 +4172,7 @@
         </p:nvCxnSpPr>
         <p:spPr>
           <a:xfrm>
-            <a:off x="2953630" y="3862587"/>
+            <a:off x="3119884" y="1849060"/>
             <a:ext cx="0" cy="758649"/>
           </a:xfrm>
           <a:prstGeom prst="straightConnector1">
@@ -4377,7 +4214,7 @@
         </p:nvSpPr>
         <p:spPr>
           <a:xfrm>
-            <a:off x="805963" y="4621236"/>
+            <a:off x="972217" y="2607709"/>
             <a:ext cx="4295334" cy="1754326"/>
           </a:xfrm>
           <a:prstGeom prst="rect">
@@ -4501,211 +4338,19 @@
       </p:sp>
       <p:sp>
         <p:nvSpPr>
-          <p:cNvPr id="35" name="四角形: 角を丸くする 34">
-            <a:extLst>
-              <a:ext uri="{FF2B5EF4-FFF2-40B4-BE49-F238E27FC236}">
-                <a16:creationId xmlns:a16="http://schemas.microsoft.com/office/drawing/2014/main" id="{0CD0F7C4-06D1-A9EE-D402-394B19740DFD}"/>
-              </a:ext>
-            </a:extLst>
-          </p:cNvPr>
-          <p:cNvSpPr/>
+          <p:cNvPr id="5" name="テキスト ボックス 4">
+            <a:extLst>
+              <a:ext uri="{FF2B5EF4-FFF2-40B4-BE49-F238E27FC236}">
+                <a16:creationId xmlns:a16="http://schemas.microsoft.com/office/drawing/2014/main" id="{22E091D0-7D9B-F84E-E3DC-7B0A2481A4A4}"/>
+              </a:ext>
+            </a:extLst>
+          </p:cNvPr>
+          <p:cNvSpPr txBox="1"/>
           <p:nvPr/>
         </p:nvSpPr>
         <p:spPr>
           <a:xfrm>
-            <a:off x="464234" y="1216146"/>
-            <a:ext cx="5219113" cy="2996659"/>
-          </a:xfrm>
-          <a:prstGeom prst="roundRect">
-            <a:avLst/>
-          </a:prstGeom>
-          <a:noFill/>
-          <a:ln w="63500">
-            <a:solidFill>
-              <a:srgbClr val="FF0000"/>
-            </a:solidFill>
-          </a:ln>
-        </p:spPr>
-        <p:style>
-          <a:lnRef idx="2">
-            <a:schemeClr val="accent1">
-              <a:shade val="15000"/>
-            </a:schemeClr>
-          </a:lnRef>
-          <a:fillRef idx="1">
-            <a:schemeClr val="accent1"/>
-          </a:fillRef>
-          <a:effectRef idx="0">
-            <a:schemeClr val="accent1"/>
-          </a:effectRef>
-          <a:fontRef idx="minor">
-            <a:schemeClr val="lt1"/>
-          </a:fontRef>
-        </p:style>
-        <p:txBody>
-          <a:bodyPr rtlCol="0" anchor="ctr"/>
-          <a:lstStyle/>
-          <a:p>
-            <a:pPr algn="ctr"/>
-            <a:endParaRPr kumimoji="1" lang="ja-JP" altLang="en-US"/>
-          </a:p>
-        </p:txBody>
-      </p:sp>
-      <p:sp>
-        <p:nvSpPr>
-          <p:cNvPr id="36" name="テキスト ボックス 35">
-            <a:extLst>
-              <a:ext uri="{FF2B5EF4-FFF2-40B4-BE49-F238E27FC236}">
-                <a16:creationId xmlns:a16="http://schemas.microsoft.com/office/drawing/2014/main" id="{9ED1B9CB-941C-CFB3-67EF-325597F4745E}"/>
-              </a:ext>
-            </a:extLst>
-          </p:cNvPr>
-          <p:cNvSpPr txBox="1"/>
-          <p:nvPr/>
-        </p:nvSpPr>
-        <p:spPr>
-          <a:xfrm>
-            <a:off x="1878477" y="861766"/>
-            <a:ext cx="2150306" cy="584775"/>
-          </a:xfrm>
-          <a:prstGeom prst="rect">
-            <a:avLst/>
-          </a:prstGeom>
-          <a:solidFill>
-            <a:schemeClr val="bg1"/>
-          </a:solidFill>
-          <a:ln w="38100">
-            <a:solidFill>
-              <a:srgbClr val="FF0000"/>
-            </a:solidFill>
-          </a:ln>
-        </p:spPr>
-        <p:txBody>
-          <a:bodyPr wrap="square" rtlCol="0">
-            <a:spAutoFit/>
-          </a:bodyPr>
-          <a:lstStyle/>
-          <a:p>
-            <a:pPr algn="ctr"/>
-            <a:r>
-              <a:rPr kumimoji="1" lang="en-US" altLang="ja-JP" sz="3200" b="1" dirty="0"/>
-              <a:t>【ODB】</a:t>
-            </a:r>
-            <a:endParaRPr kumimoji="1" lang="ja-JP" altLang="en-US" sz="3200" b="1" dirty="0"/>
-          </a:p>
-        </p:txBody>
-      </p:sp>
-      <p:pic>
-        <p:nvPicPr>
-          <p:cNvPr id="38" name="図 37">
-            <a:extLst>
-              <a:ext uri="{FF2B5EF4-FFF2-40B4-BE49-F238E27FC236}">
-                <a16:creationId xmlns:a16="http://schemas.microsoft.com/office/drawing/2014/main" id="{BC42149F-2F76-8DC4-A756-BF34C24A0988}"/>
-              </a:ext>
-            </a:extLst>
-          </p:cNvPr>
-          <p:cNvPicPr>
-            <a:picLocks noChangeAspect="1"/>
-          </p:cNvPicPr>
-          <p:nvPr/>
-        </p:nvPicPr>
-        <p:blipFill>
-          <a:blip r:embed="rId2"/>
-          <a:srcRect r="72709"/>
-          <a:stretch/>
-        </p:blipFill>
-        <p:spPr>
-          <a:xfrm>
-            <a:off x="7025740" y="1070944"/>
-            <a:ext cx="3287783" cy="1643531"/>
-          </a:xfrm>
-          <a:prstGeom prst="rect">
-            <a:avLst/>
-          </a:prstGeom>
-        </p:spPr>
-      </p:pic>
-      <p:pic>
-        <p:nvPicPr>
-          <p:cNvPr id="40" name="図 39">
-            <a:extLst>
-              <a:ext uri="{FF2B5EF4-FFF2-40B4-BE49-F238E27FC236}">
-                <a16:creationId xmlns:a16="http://schemas.microsoft.com/office/drawing/2014/main" id="{E0E35D97-946C-ADD0-FA69-93DA3B9417B3}"/>
-              </a:ext>
-            </a:extLst>
-          </p:cNvPr>
-          <p:cNvPicPr>
-            <a:picLocks noChangeAspect="1"/>
-          </p:cNvPicPr>
-          <p:nvPr/>
-        </p:nvPicPr>
-        <p:blipFill>
-          <a:blip r:embed="rId2"/>
-          <a:srcRect l="25257" b="20363"/>
-          <a:stretch/>
-        </p:blipFill>
-        <p:spPr>
-          <a:xfrm>
-            <a:off x="6096000" y="2714475"/>
-            <a:ext cx="5219113" cy="758650"/>
-          </a:xfrm>
-          <a:prstGeom prst="rect">
-            <a:avLst/>
-          </a:prstGeom>
-        </p:spPr>
-      </p:pic>
-      <p:sp>
-        <p:nvSpPr>
-          <p:cNvPr id="42" name="テキスト ボックス 41">
-            <a:extLst>
-              <a:ext uri="{FF2B5EF4-FFF2-40B4-BE49-F238E27FC236}">
-                <a16:creationId xmlns:a16="http://schemas.microsoft.com/office/drawing/2014/main" id="{E1EB719C-0917-20DA-8CB8-2945B17E7472}"/>
-              </a:ext>
-            </a:extLst>
-          </p:cNvPr>
-          <p:cNvSpPr txBox="1"/>
-          <p:nvPr/>
-        </p:nvSpPr>
-        <p:spPr>
-          <a:xfrm>
-            <a:off x="6248916" y="3180738"/>
-            <a:ext cx="4959858" cy="276999"/>
-          </a:xfrm>
-          <a:prstGeom prst="rect">
-            <a:avLst/>
-          </a:prstGeom>
-          <a:noFill/>
-          <a:ln w="38100">
-            <a:solidFill>
-              <a:srgbClr val="FF0000"/>
-            </a:solidFill>
-          </a:ln>
-        </p:spPr>
-        <p:txBody>
-          <a:bodyPr wrap="square" rtlCol="0">
-            <a:spAutoFit/>
-          </a:bodyPr>
-          <a:lstStyle/>
-          <a:p>
-            <a:pPr algn="ctr"/>
-            <a:endParaRPr kumimoji="1" lang="ja-JP" altLang="en-US" sz="1200" b="1" dirty="0"/>
-          </a:p>
-        </p:txBody>
-      </p:sp>
-      <p:sp>
-        <p:nvSpPr>
-          <p:cNvPr id="5" name="テキスト ボックス 4">
-            <a:extLst>
-              <a:ext uri="{FF2B5EF4-FFF2-40B4-BE49-F238E27FC236}">
-                <a16:creationId xmlns:a16="http://schemas.microsoft.com/office/drawing/2014/main" id="{22E091D0-7D9B-F84E-E3DC-7B0A2481A4A4}"/>
-              </a:ext>
-            </a:extLst>
-          </p:cNvPr>
-          <p:cNvSpPr txBox="1"/>
-          <p:nvPr/>
-        </p:nvSpPr>
-        <p:spPr>
-          <a:xfrm>
-            <a:off x="6248916" y="3751140"/>
+            <a:off x="5953352" y="894953"/>
             <a:ext cx="5137121" cy="923330"/>
           </a:xfrm>
           <a:prstGeom prst="rect">

--- a/readme.pptx
+++ b/readme.pptx
@@ -260,7 +260,7 @@
           <a:p>
             <a:fld id="{1CDCD96E-886D-44D7-B6CA-70BD0602B823}" type="datetimeFigureOut">
               <a:rPr kumimoji="1" lang="ja-JP" altLang="en-US" smtClean="0"/>
-              <a:t>2024/9/14</a:t>
+              <a:t>2024/9/22</a:t>
             </a:fld>
             <a:endParaRPr kumimoji="1" lang="ja-JP" altLang="en-US"/>
           </a:p>
@@ -490,7 +490,7 @@
           <a:p>
             <a:fld id="{1CDCD96E-886D-44D7-B6CA-70BD0602B823}" type="datetimeFigureOut">
               <a:rPr kumimoji="1" lang="ja-JP" altLang="en-US" smtClean="0"/>
-              <a:t>2024/9/14</a:t>
+              <a:t>2024/9/22</a:t>
             </a:fld>
             <a:endParaRPr kumimoji="1" lang="ja-JP" altLang="en-US"/>
           </a:p>
@@ -730,7 +730,7 @@
           <a:p>
             <a:fld id="{1CDCD96E-886D-44D7-B6CA-70BD0602B823}" type="datetimeFigureOut">
               <a:rPr kumimoji="1" lang="ja-JP" altLang="en-US" smtClean="0"/>
-              <a:t>2024/9/14</a:t>
+              <a:t>2024/9/22</a:t>
             </a:fld>
             <a:endParaRPr kumimoji="1" lang="ja-JP" altLang="en-US"/>
           </a:p>
@@ -960,7 +960,7 @@
           <a:p>
             <a:fld id="{1CDCD96E-886D-44D7-B6CA-70BD0602B823}" type="datetimeFigureOut">
               <a:rPr kumimoji="1" lang="ja-JP" altLang="en-US" smtClean="0"/>
-              <a:t>2024/9/14</a:t>
+              <a:t>2024/9/22</a:t>
             </a:fld>
             <a:endParaRPr kumimoji="1" lang="ja-JP" altLang="en-US"/>
           </a:p>
@@ -1235,7 +1235,7 @@
           <a:p>
             <a:fld id="{1CDCD96E-886D-44D7-B6CA-70BD0602B823}" type="datetimeFigureOut">
               <a:rPr kumimoji="1" lang="ja-JP" altLang="en-US" smtClean="0"/>
-              <a:t>2024/9/14</a:t>
+              <a:t>2024/9/22</a:t>
             </a:fld>
             <a:endParaRPr kumimoji="1" lang="ja-JP" altLang="en-US"/>
           </a:p>
@@ -1564,7 +1564,7 @@
           <a:p>
             <a:fld id="{1CDCD96E-886D-44D7-B6CA-70BD0602B823}" type="datetimeFigureOut">
               <a:rPr kumimoji="1" lang="ja-JP" altLang="en-US" smtClean="0"/>
-              <a:t>2024/9/14</a:t>
+              <a:t>2024/9/22</a:t>
             </a:fld>
             <a:endParaRPr kumimoji="1" lang="ja-JP" altLang="en-US"/>
           </a:p>
@@ -2040,7 +2040,7 @@
           <a:p>
             <a:fld id="{1CDCD96E-886D-44D7-B6CA-70BD0602B823}" type="datetimeFigureOut">
               <a:rPr kumimoji="1" lang="ja-JP" altLang="en-US" smtClean="0"/>
-              <a:t>2024/9/14</a:t>
+              <a:t>2024/9/22</a:t>
             </a:fld>
             <a:endParaRPr kumimoji="1" lang="ja-JP" altLang="en-US"/>
           </a:p>
@@ -2181,7 +2181,7 @@
           <a:p>
             <a:fld id="{1CDCD96E-886D-44D7-B6CA-70BD0602B823}" type="datetimeFigureOut">
               <a:rPr kumimoji="1" lang="ja-JP" altLang="en-US" smtClean="0"/>
-              <a:t>2024/9/14</a:t>
+              <a:t>2024/9/22</a:t>
             </a:fld>
             <a:endParaRPr kumimoji="1" lang="ja-JP" altLang="en-US"/>
           </a:p>
@@ -2294,7 +2294,7 @@
           <a:p>
             <a:fld id="{1CDCD96E-886D-44D7-B6CA-70BD0602B823}" type="datetimeFigureOut">
               <a:rPr kumimoji="1" lang="ja-JP" altLang="en-US" smtClean="0"/>
-              <a:t>2024/9/14</a:t>
+              <a:t>2024/9/22</a:t>
             </a:fld>
             <a:endParaRPr kumimoji="1" lang="ja-JP" altLang="en-US"/>
           </a:p>
@@ -2637,7 +2637,7 @@
           <a:p>
             <a:fld id="{1CDCD96E-886D-44D7-B6CA-70BD0602B823}" type="datetimeFigureOut">
               <a:rPr kumimoji="1" lang="ja-JP" altLang="en-US" smtClean="0"/>
-              <a:t>2024/9/14</a:t>
+              <a:t>2024/9/22</a:t>
             </a:fld>
             <a:endParaRPr kumimoji="1" lang="ja-JP" altLang="en-US"/>
           </a:p>
@@ -2925,7 +2925,7 @@
           <a:p>
             <a:fld id="{1CDCD96E-886D-44D7-B6CA-70BD0602B823}" type="datetimeFigureOut">
               <a:rPr kumimoji="1" lang="ja-JP" altLang="en-US" smtClean="0"/>
-              <a:t>2024/9/14</a:t>
+              <a:t>2024/9/22</a:t>
             </a:fld>
             <a:endParaRPr kumimoji="1" lang="ja-JP" altLang="en-US"/>
           </a:p>
@@ -3198,7 +3198,7 @@
           <a:p>
             <a:fld id="{1CDCD96E-886D-44D7-B6CA-70BD0602B823}" type="datetimeFigureOut">
               <a:rPr kumimoji="1" lang="ja-JP" altLang="en-US" smtClean="0"/>
-              <a:t>2024/9/14</a:t>
+              <a:t>2024/9/22</a:t>
             </a:fld>
             <a:endParaRPr kumimoji="1" lang="ja-JP" altLang="en-US"/>
           </a:p>
@@ -3825,7 +3825,7 @@
             <a:pPr algn="ctr"/>
             <a:r>
               <a:rPr lang="en-US" altLang="ja-JP" sz="2800" dirty="0"/>
-              <a:t>【./download/dataURLLIST.csv】</a:t>
+              <a:t>【./data/dataURLLIST.csv】</a:t>
             </a:r>
             <a:endParaRPr kumimoji="1" lang="ja-JP" altLang="en-US" sz="2800" dirty="0"/>
           </a:p>
@@ -3921,7 +3921,15 @@
             <a:pPr algn="ctr"/>
             <a:r>
               <a:rPr lang="en-US" altLang="ja-JP" dirty="0"/>
-              <a:t>【./download/data </a:t>
+              <a:t>【./data/</a:t>
+            </a:r>
+            <a:r>
+              <a:rPr lang="ja-JP" altLang="en-US" dirty="0"/>
+              <a:t>［データ形式］</a:t>
+            </a:r>
+            <a:r>
+              <a:rPr lang="en-US" altLang="ja-JP" dirty="0"/>
+              <a:t> </a:t>
             </a:r>
             <a:r>
               <a:rPr lang="ja-JP" altLang="en-US" dirty="0"/>
@@ -4083,8 +4091,8 @@
         </p:nvSpPr>
         <p:spPr>
           <a:xfrm>
-            <a:off x="972217" y="894953"/>
-            <a:ext cx="4295334" cy="954107"/>
+            <a:off x="2419563" y="739721"/>
+            <a:ext cx="7352873" cy="523220"/>
           </a:xfrm>
           <a:prstGeom prst="rect">
             <a:avLst/>
@@ -4117,23 +4125,7 @@
                   <a:srgbClr val="FF0000"/>
                 </a:solidFill>
               </a:rPr>
-              <a:t>エクセル等のデータ</a:t>
-            </a:r>
-            <a:endParaRPr kumimoji="1" lang="en-US" altLang="ja-JP" sz="2800" dirty="0">
-              <a:solidFill>
-                <a:srgbClr val="FF0000"/>
-              </a:solidFill>
-            </a:endParaRPr>
-          </a:p>
-          <a:p>
-            <a:pPr algn="ctr"/>
-            <a:r>
-              <a:rPr kumimoji="1" lang="ja-JP" altLang="en-US" sz="2800" dirty="0">
-                <a:solidFill>
-                  <a:srgbClr val="FF0000"/>
-                </a:solidFill>
-              </a:rPr>
-              <a:t>を</a:t>
+              <a:t>エクセル等のデータを</a:t>
             </a:r>
             <a:r>
               <a:rPr kumimoji="1" lang="en-US" altLang="ja-JP" sz="2800" dirty="0">
@@ -4154,29 +4146,378 @@
           </a:p>
         </p:txBody>
       </p:sp>
+      <p:sp>
+        <p:nvSpPr>
+          <p:cNvPr id="14" name="テキスト ボックス 13">
+            <a:extLst>
+              <a:ext uri="{FF2B5EF4-FFF2-40B4-BE49-F238E27FC236}">
+                <a16:creationId xmlns:a16="http://schemas.microsoft.com/office/drawing/2014/main" id="{44BA35BD-ED91-41BE-6F12-D6D74DF9DCAE}"/>
+              </a:ext>
+            </a:extLst>
+          </p:cNvPr>
+          <p:cNvSpPr txBox="1"/>
+          <p:nvPr/>
+        </p:nvSpPr>
+        <p:spPr>
+          <a:xfrm>
+            <a:off x="2491507" y="2907166"/>
+            <a:ext cx="7208983" cy="2031325"/>
+          </a:xfrm>
+          <a:prstGeom prst="rect">
+            <a:avLst/>
+          </a:prstGeom>
+          <a:noFill/>
+          <a:ln w="38100">
+            <a:solidFill>
+              <a:schemeClr val="tx1"/>
+            </a:solidFill>
+          </a:ln>
+        </p:spPr>
+        <p:txBody>
+          <a:bodyPr wrap="square" rtlCol="0">
+            <a:spAutoFit/>
+          </a:bodyPr>
+          <a:lstStyle/>
+          <a:p>
+            <a:pPr algn="ctr"/>
+            <a:r>
+              <a:rPr lang="en-US" altLang="ja-JP" b="1" dirty="0">
+                <a:solidFill>
+                  <a:srgbClr val="00B0F0"/>
+                </a:solidFill>
+              </a:rPr>
+              <a:t>------</a:t>
+            </a:r>
+            <a:r>
+              <a:rPr lang="ja-JP" altLang="en-US" b="1" dirty="0">
+                <a:solidFill>
+                  <a:srgbClr val="00B0F0"/>
+                </a:solidFill>
+              </a:rPr>
+              <a:t>　</a:t>
+            </a:r>
+            <a:r>
+              <a:rPr lang="en-US" altLang="ja-JP" b="1" dirty="0">
+                <a:solidFill>
+                  <a:srgbClr val="00B0F0"/>
+                </a:solidFill>
+              </a:rPr>
+              <a:t>CSV</a:t>
+            </a:r>
+            <a:r>
+              <a:rPr lang="ja-JP" altLang="en-US" b="1" dirty="0">
+                <a:solidFill>
+                  <a:srgbClr val="00B0F0"/>
+                </a:solidFill>
+              </a:rPr>
+              <a:t>データの処理</a:t>
+            </a:r>
+            <a:r>
+              <a:rPr lang="en-US" altLang="ja-JP" b="1" dirty="0">
+                <a:solidFill>
+                  <a:srgbClr val="00B0F0"/>
+                </a:solidFill>
+              </a:rPr>
+              <a:t>【./data/CSV】------</a:t>
+            </a:r>
+          </a:p>
+          <a:p>
+            <a:r>
+              <a:rPr lang="ja-JP" altLang="en-US" b="1" dirty="0"/>
+              <a:t>・</a:t>
+            </a:r>
+            <a:r>
+              <a:rPr lang="en-US" altLang="ja-JP" b="1" dirty="0"/>
+              <a:t>UTF-8</a:t>
+            </a:r>
+            <a:r>
+              <a:rPr lang="ja-JP" altLang="en-US" b="1" dirty="0"/>
+              <a:t>へ文字コードを統一</a:t>
+            </a:r>
+            <a:endParaRPr lang="en-US" altLang="ja-JP" b="1" dirty="0"/>
+          </a:p>
+          <a:p>
+            <a:r>
+              <a:rPr lang="ja-JP" altLang="en-US" b="1" dirty="0"/>
+              <a:t>・位置情報付きファイルを選別</a:t>
+            </a:r>
+            <a:endParaRPr lang="en-US" altLang="ja-JP" b="1" dirty="0"/>
+          </a:p>
+          <a:p>
+            <a:r>
+              <a:rPr lang="ja-JP" altLang="en-US" b="1" dirty="0"/>
+              <a:t>・属性「名称」を自動入力</a:t>
+            </a:r>
+            <a:endParaRPr lang="en-US" altLang="ja-JP" b="1" dirty="0"/>
+          </a:p>
+          <a:p>
+            <a:r>
+              <a:rPr lang="ja-JP" altLang="en-US" b="1" dirty="0"/>
+              <a:t>・属性を統合し</a:t>
+            </a:r>
+            <a:r>
+              <a:rPr lang="en-US" altLang="ja-JP" b="1" dirty="0"/>
+              <a:t>1</a:t>
+            </a:r>
+            <a:r>
+              <a:rPr lang="ja-JP" altLang="en-US" b="1" dirty="0"/>
+              <a:t>つのファイルへ</a:t>
+            </a:r>
+            <a:endParaRPr lang="en-US" altLang="ja-JP" b="1" dirty="0"/>
+          </a:p>
+          <a:p>
+            <a:r>
+              <a:rPr lang="ja-JP" altLang="en-US" b="1" dirty="0"/>
+              <a:t>・位置情報付きファイルは</a:t>
+            </a:r>
+            <a:r>
+              <a:rPr lang="en-US" altLang="ja-JP" b="1" dirty="0"/>
+              <a:t>GPKG</a:t>
+            </a:r>
+            <a:r>
+              <a:rPr lang="ja-JP" altLang="en-US" b="1" dirty="0"/>
+              <a:t>へ</a:t>
+            </a:r>
+            <a:endParaRPr lang="en-US" altLang="ja-JP" b="1" dirty="0"/>
+          </a:p>
+          <a:p>
+            <a:pPr algn="ctr"/>
+            <a:r>
+              <a:rPr lang="en-US" altLang="ja-JP" b="1" dirty="0">
+                <a:solidFill>
+                  <a:srgbClr val="00B0F0"/>
+                </a:solidFill>
+              </a:rPr>
+              <a:t>------</a:t>
+            </a:r>
+            <a:r>
+              <a:rPr lang="ja-JP" altLang="en-US" b="1" dirty="0">
+                <a:solidFill>
+                  <a:srgbClr val="00B0F0"/>
+                </a:solidFill>
+              </a:rPr>
+              <a:t>　</a:t>
+            </a:r>
+            <a:r>
+              <a:rPr lang="en-US" altLang="ja-JP" b="1" dirty="0">
+                <a:solidFill>
+                  <a:srgbClr val="00B0F0"/>
+                </a:solidFill>
+              </a:rPr>
+              <a:t>CSV</a:t>
+            </a:r>
+            <a:r>
+              <a:rPr lang="ja-JP" altLang="en-US" b="1" dirty="0">
+                <a:solidFill>
+                  <a:srgbClr val="00B0F0"/>
+                </a:solidFill>
+              </a:rPr>
+              <a:t>データの処理</a:t>
+            </a:r>
+            <a:r>
+              <a:rPr lang="en-US" altLang="ja-JP" b="1" dirty="0">
+                <a:solidFill>
+                  <a:srgbClr val="00B0F0"/>
+                </a:solidFill>
+              </a:rPr>
+              <a:t>【./data/</a:t>
+            </a:r>
+            <a:r>
+              <a:rPr lang="en-US" altLang="ja-JP" b="1" dirty="0" err="1">
+                <a:solidFill>
+                  <a:srgbClr val="00B0F0"/>
+                </a:solidFill>
+              </a:rPr>
+              <a:t>CSV_convert</a:t>
+            </a:r>
+            <a:r>
+              <a:rPr lang="en-US" altLang="ja-JP" b="1" dirty="0">
+                <a:solidFill>
+                  <a:srgbClr val="00B0F0"/>
+                </a:solidFill>
+              </a:rPr>
+              <a:t>】------</a:t>
+            </a:r>
+          </a:p>
+        </p:txBody>
+      </p:sp>
+      <p:sp>
+        <p:nvSpPr>
+          <p:cNvPr id="5" name="テキスト ボックス 4">
+            <a:extLst>
+              <a:ext uri="{FF2B5EF4-FFF2-40B4-BE49-F238E27FC236}">
+                <a16:creationId xmlns:a16="http://schemas.microsoft.com/office/drawing/2014/main" id="{22E091D0-7D9B-F84E-E3DC-7B0A2481A4A4}"/>
+              </a:ext>
+            </a:extLst>
+          </p:cNvPr>
+          <p:cNvSpPr txBox="1"/>
+          <p:nvPr/>
+        </p:nvSpPr>
+        <p:spPr>
+          <a:xfrm>
+            <a:off x="852146" y="1391219"/>
+            <a:ext cx="5137121" cy="646331"/>
+          </a:xfrm>
+          <a:prstGeom prst="rect">
+            <a:avLst/>
+          </a:prstGeom>
+          <a:noFill/>
+          <a:ln w="38100">
+            <a:solidFill>
+              <a:schemeClr val="tx1"/>
+            </a:solidFill>
+          </a:ln>
+        </p:spPr>
+        <p:txBody>
+          <a:bodyPr wrap="square" rtlCol="0">
+            <a:spAutoFit/>
+          </a:bodyPr>
+          <a:lstStyle/>
+          <a:p>
+            <a:pPr algn="ctr"/>
+            <a:r>
+              <a:rPr lang="en-US" altLang="ja-JP" b="1" dirty="0">
+                <a:solidFill>
+                  <a:srgbClr val="00B0F0"/>
+                </a:solidFill>
+              </a:rPr>
+              <a:t>------</a:t>
+            </a:r>
+            <a:r>
+              <a:rPr lang="ja-JP" altLang="en-US" b="1" dirty="0">
+                <a:solidFill>
+                  <a:srgbClr val="00B0F0"/>
+                </a:solidFill>
+              </a:rPr>
+              <a:t>　</a:t>
+            </a:r>
+            <a:r>
+              <a:rPr lang="en-US" altLang="ja-JP" b="1" dirty="0">
+                <a:solidFill>
+                  <a:srgbClr val="00B0F0"/>
+                </a:solidFill>
+              </a:rPr>
+              <a:t>PDF</a:t>
+            </a:r>
+            <a:r>
+              <a:rPr lang="ja-JP" altLang="en-US" b="1" dirty="0">
+                <a:solidFill>
+                  <a:srgbClr val="00B0F0"/>
+                </a:solidFill>
+              </a:rPr>
+              <a:t>の処理</a:t>
+            </a:r>
+            <a:r>
+              <a:rPr lang="en-US" altLang="ja-JP" b="1" dirty="0">
+                <a:solidFill>
+                  <a:srgbClr val="00B0F0"/>
+                </a:solidFill>
+              </a:rPr>
+              <a:t>【./data/PDF】------</a:t>
+            </a:r>
+          </a:p>
+          <a:p>
+            <a:r>
+              <a:rPr lang="ja-JP" altLang="en-US" b="1" dirty="0"/>
+              <a:t>　</a:t>
+            </a:r>
+            <a:endParaRPr kumimoji="1" lang="ja-JP" altLang="en-US" dirty="0"/>
+          </a:p>
+        </p:txBody>
+      </p:sp>
+      <p:sp>
+        <p:nvSpPr>
+          <p:cNvPr id="2" name="テキスト ボックス 1">
+            <a:extLst>
+              <a:ext uri="{FF2B5EF4-FFF2-40B4-BE49-F238E27FC236}">
+                <a16:creationId xmlns:a16="http://schemas.microsoft.com/office/drawing/2014/main" id="{691EB3A8-341B-ABF0-321E-F8F1625D1022}"/>
+              </a:ext>
+            </a:extLst>
+          </p:cNvPr>
+          <p:cNvSpPr txBox="1"/>
+          <p:nvPr/>
+        </p:nvSpPr>
+        <p:spPr>
+          <a:xfrm>
+            <a:off x="6202733" y="1391219"/>
+            <a:ext cx="5137121" cy="646331"/>
+          </a:xfrm>
+          <a:prstGeom prst="rect">
+            <a:avLst/>
+          </a:prstGeom>
+          <a:noFill/>
+          <a:ln w="38100">
+            <a:solidFill>
+              <a:schemeClr val="tx1"/>
+            </a:solidFill>
+          </a:ln>
+        </p:spPr>
+        <p:txBody>
+          <a:bodyPr wrap="square" rtlCol="0">
+            <a:spAutoFit/>
+          </a:bodyPr>
+          <a:lstStyle/>
+          <a:p>
+            <a:pPr algn="ctr"/>
+            <a:r>
+              <a:rPr lang="en-US" altLang="ja-JP" b="1" dirty="0">
+                <a:solidFill>
+                  <a:srgbClr val="00B0F0"/>
+                </a:solidFill>
+              </a:rPr>
+              <a:t>------</a:t>
+            </a:r>
+            <a:r>
+              <a:rPr lang="ja-JP" altLang="en-US" b="1" dirty="0">
+                <a:solidFill>
+                  <a:srgbClr val="00B0F0"/>
+                </a:solidFill>
+              </a:rPr>
+              <a:t>　エクセルの処理</a:t>
+            </a:r>
+            <a:r>
+              <a:rPr lang="en-US" altLang="ja-JP" b="1" dirty="0">
+                <a:solidFill>
+                  <a:srgbClr val="00B0F0"/>
+                </a:solidFill>
+              </a:rPr>
+              <a:t>【./data/XLS】------</a:t>
+            </a:r>
+          </a:p>
+          <a:p>
+            <a:r>
+              <a:rPr lang="ja-JP" altLang="en-US" b="1" dirty="0"/>
+              <a:t>　</a:t>
+            </a:r>
+            <a:endParaRPr kumimoji="1" lang="ja-JP" altLang="en-US" dirty="0"/>
+          </a:p>
+        </p:txBody>
+      </p:sp>
       <p:cxnSp>
         <p:nvCxnSpPr>
-          <p:cNvPr id="10" name="直線矢印コネクタ 9">
-            <a:extLst>
-              <a:ext uri="{FF2B5EF4-FFF2-40B4-BE49-F238E27FC236}">
-                <a16:creationId xmlns:a16="http://schemas.microsoft.com/office/drawing/2014/main" id="{4F486B23-1A50-3264-EAC1-5AF535B03322}"/>
+          <p:cNvPr id="11" name="コネクタ: カギ線 10">
+            <a:extLst>
+              <a:ext uri="{FF2B5EF4-FFF2-40B4-BE49-F238E27FC236}">
+                <a16:creationId xmlns:a16="http://schemas.microsoft.com/office/drawing/2014/main" id="{F344F876-C080-7710-FE54-2627590163CC}"/>
               </a:ext>
             </a:extLst>
           </p:cNvPr>
           <p:cNvCxnSpPr>
             <a:cxnSpLocks/>
-            <a:stCxn id="8" idx="2"/>
+            <a:stCxn id="5" idx="2"/>
             <a:endCxn id="14" idx="0"/>
           </p:cNvCxnSpPr>
           <p:nvPr/>
         </p:nvCxnSpPr>
         <p:spPr>
-          <a:xfrm>
-            <a:off x="3119884" y="1849060"/>
-            <a:ext cx="0" cy="758649"/>
+          <a:xfrm rot="16200000" flipH="1">
+            <a:off x="4323545" y="1134712"/>
+            <a:ext cx="869616" cy="2675292"/>
           </a:xfrm>
-          <a:prstGeom prst="straightConnector1">
-            <a:avLst/>
+          <a:prstGeom prst="bentConnector3">
+            <a:avLst>
+              <a:gd name="adj1" fmla="val 50000"/>
+            </a:avLst>
           </a:prstGeom>
           <a:ln w="38100">
             <a:solidFill>
@@ -4200,277 +4541,54 @@
           </a:fontRef>
         </p:style>
       </p:cxnSp>
-      <p:sp>
-        <p:nvSpPr>
-          <p:cNvPr id="14" name="テキスト ボックス 13">
-            <a:extLst>
-              <a:ext uri="{FF2B5EF4-FFF2-40B4-BE49-F238E27FC236}">
-                <a16:creationId xmlns:a16="http://schemas.microsoft.com/office/drawing/2014/main" id="{44BA35BD-ED91-41BE-6F12-D6D74DF9DCAE}"/>
-              </a:ext>
-            </a:extLst>
-          </p:cNvPr>
-          <p:cNvSpPr txBox="1"/>
+      <p:cxnSp>
+        <p:nvCxnSpPr>
+          <p:cNvPr id="15" name="コネクタ: カギ線 14">
+            <a:extLst>
+              <a:ext uri="{FF2B5EF4-FFF2-40B4-BE49-F238E27FC236}">
+                <a16:creationId xmlns:a16="http://schemas.microsoft.com/office/drawing/2014/main" id="{FC7EA87E-49DC-A541-3EF5-F7C7251573E3}"/>
+              </a:ext>
+            </a:extLst>
+          </p:cNvPr>
+          <p:cNvCxnSpPr>
+            <a:cxnSpLocks/>
+            <a:stCxn id="2" idx="2"/>
+            <a:endCxn id="14" idx="0"/>
+          </p:cNvCxnSpPr>
           <p:nvPr/>
-        </p:nvSpPr>
+        </p:nvCxnSpPr>
         <p:spPr>
-          <a:xfrm>
-            <a:off x="972217" y="2607709"/>
-            <a:ext cx="4295334" cy="1754326"/>
+          <a:xfrm rot="5400000">
+            <a:off x="6998839" y="1134711"/>
+            <a:ext cx="869616" cy="2675295"/>
           </a:xfrm>
-          <a:prstGeom prst="rect">
-            <a:avLst/>
+          <a:prstGeom prst="bentConnector3">
+            <a:avLst>
+              <a:gd name="adj1" fmla="val 50000"/>
+            </a:avLst>
           </a:prstGeom>
-          <a:noFill/>
           <a:ln w="38100">
             <a:solidFill>
               <a:schemeClr val="tx1"/>
             </a:solidFill>
+            <a:tailEnd type="triangle"/>
           </a:ln>
         </p:spPr>
-        <p:txBody>
-          <a:bodyPr wrap="square" rtlCol="0">
-            <a:spAutoFit/>
-          </a:bodyPr>
-          <a:lstStyle/>
-          <a:p>
-            <a:pPr algn="ctr"/>
-            <a:r>
-              <a:rPr lang="en-US" altLang="ja-JP" b="1" dirty="0">
-                <a:solidFill>
-                  <a:srgbClr val="00B0F0"/>
-                </a:solidFill>
-              </a:rPr>
-              <a:t>------</a:t>
-            </a:r>
-            <a:r>
-              <a:rPr lang="ja-JP" altLang="en-US" b="1" dirty="0">
-                <a:solidFill>
-                  <a:srgbClr val="00B0F0"/>
-                </a:solidFill>
-              </a:rPr>
-              <a:t>　</a:t>
-            </a:r>
-            <a:r>
-              <a:rPr lang="en-US" altLang="ja-JP" b="1" dirty="0">
-                <a:solidFill>
-                  <a:srgbClr val="00B0F0"/>
-                </a:solidFill>
-              </a:rPr>
-              <a:t>CSV</a:t>
-            </a:r>
-            <a:r>
-              <a:rPr lang="ja-JP" altLang="en-US" b="1" dirty="0">
-                <a:solidFill>
-                  <a:srgbClr val="00B0F0"/>
-                </a:solidFill>
-              </a:rPr>
-              <a:t>データの処理　</a:t>
-            </a:r>
-            <a:r>
-              <a:rPr lang="en-US" altLang="ja-JP" b="1" dirty="0">
-                <a:solidFill>
-                  <a:srgbClr val="00B0F0"/>
-                </a:solidFill>
-              </a:rPr>
-              <a:t> ------</a:t>
-            </a:r>
-          </a:p>
-          <a:p>
-            <a:r>
-              <a:rPr lang="ja-JP" altLang="en-US" b="1" dirty="0"/>
-              <a:t>・</a:t>
-            </a:r>
-            <a:r>
-              <a:rPr lang="en-US" altLang="ja-JP" b="1" dirty="0"/>
-              <a:t>UTF-8</a:t>
-            </a:r>
-            <a:r>
-              <a:rPr lang="ja-JP" altLang="en-US" b="1" dirty="0"/>
-              <a:t>へ文字コードを統一</a:t>
-            </a:r>
-            <a:endParaRPr lang="en-US" altLang="ja-JP" b="1" dirty="0"/>
-          </a:p>
-          <a:p>
-            <a:r>
-              <a:rPr lang="ja-JP" altLang="en-US" b="1" dirty="0"/>
-              <a:t>・位置情報付きファイルを選別</a:t>
-            </a:r>
-            <a:endParaRPr lang="en-US" altLang="ja-JP" b="1" dirty="0"/>
-          </a:p>
-          <a:p>
-            <a:r>
-              <a:rPr lang="ja-JP" altLang="en-US" b="1" dirty="0"/>
-              <a:t>・属性「名称」を自動入力</a:t>
-            </a:r>
-            <a:endParaRPr lang="en-US" altLang="ja-JP" b="1" dirty="0"/>
-          </a:p>
-          <a:p>
-            <a:r>
-              <a:rPr lang="ja-JP" altLang="en-US" b="1" dirty="0"/>
-              <a:t>・属性を統合し</a:t>
-            </a:r>
-            <a:r>
-              <a:rPr lang="en-US" altLang="ja-JP" b="1" dirty="0"/>
-              <a:t>1</a:t>
-            </a:r>
-            <a:r>
-              <a:rPr lang="ja-JP" altLang="en-US" b="1" dirty="0"/>
-              <a:t>つのファイルへ</a:t>
-            </a:r>
-            <a:endParaRPr lang="en-US" altLang="ja-JP" b="1" dirty="0"/>
-          </a:p>
-          <a:p>
-            <a:r>
-              <a:rPr lang="ja-JP" altLang="en-US" b="1" dirty="0"/>
-              <a:t>・位置情報付きファイルは</a:t>
-            </a:r>
-            <a:r>
-              <a:rPr lang="en-US" altLang="ja-JP" b="1" dirty="0"/>
-              <a:t>GPKG</a:t>
-            </a:r>
-            <a:r>
-              <a:rPr lang="ja-JP" altLang="en-US" b="1" dirty="0"/>
-              <a:t>へ</a:t>
-            </a:r>
-            <a:endParaRPr kumimoji="1" lang="ja-JP" altLang="en-US" dirty="0"/>
-          </a:p>
-        </p:txBody>
-      </p:sp>
-      <p:sp>
-        <p:nvSpPr>
-          <p:cNvPr id="5" name="テキスト ボックス 4">
-            <a:extLst>
-              <a:ext uri="{FF2B5EF4-FFF2-40B4-BE49-F238E27FC236}">
-                <a16:creationId xmlns:a16="http://schemas.microsoft.com/office/drawing/2014/main" id="{22E091D0-7D9B-F84E-E3DC-7B0A2481A4A4}"/>
-              </a:ext>
-            </a:extLst>
-          </p:cNvPr>
-          <p:cNvSpPr txBox="1"/>
-          <p:nvPr/>
-        </p:nvSpPr>
-        <p:spPr>
-          <a:xfrm>
-            <a:off x="5953352" y="894953"/>
-            <a:ext cx="5137121" cy="923330"/>
-          </a:xfrm>
-          <a:prstGeom prst="rect">
-            <a:avLst/>
-          </a:prstGeom>
-          <a:noFill/>
-          <a:ln w="38100">
-            <a:solidFill>
-              <a:schemeClr val="tx1"/>
-            </a:solidFill>
-          </a:ln>
-        </p:spPr>
-        <p:txBody>
-          <a:bodyPr wrap="square" rtlCol="0">
-            <a:spAutoFit/>
-          </a:bodyPr>
-          <a:lstStyle/>
-          <a:p>
-            <a:pPr algn="ctr"/>
-            <a:r>
-              <a:rPr lang="en-US" altLang="ja-JP" b="1" dirty="0">
-                <a:solidFill>
-                  <a:srgbClr val="00B0F0"/>
-                </a:solidFill>
-              </a:rPr>
-              <a:t>------</a:t>
-            </a:r>
-            <a:r>
-              <a:rPr lang="ja-JP" altLang="en-US" b="1" dirty="0">
-                <a:solidFill>
-                  <a:srgbClr val="00B0F0"/>
-                </a:solidFill>
-              </a:rPr>
-              <a:t>　</a:t>
-            </a:r>
-            <a:r>
-              <a:rPr lang="en-US" altLang="ja-JP" b="1" dirty="0">
-                <a:solidFill>
-                  <a:srgbClr val="00B0F0"/>
-                </a:solidFill>
-              </a:rPr>
-              <a:t>PDF</a:t>
-            </a:r>
-            <a:r>
-              <a:rPr lang="ja-JP" altLang="en-US" b="1" dirty="0">
-                <a:solidFill>
-                  <a:srgbClr val="00B0F0"/>
-                </a:solidFill>
-              </a:rPr>
-              <a:t>の処理　</a:t>
-            </a:r>
-            <a:r>
-              <a:rPr lang="en-US" altLang="ja-JP" b="1" dirty="0">
-                <a:solidFill>
-                  <a:srgbClr val="00B0F0"/>
-                </a:solidFill>
-              </a:rPr>
-              <a:t> ------</a:t>
-            </a:r>
-          </a:p>
-          <a:p>
-            <a:r>
-              <a:rPr lang="ja-JP" altLang="en-US" b="1" dirty="0"/>
-              <a:t>　タイプ</a:t>
-            </a:r>
-            <a:r>
-              <a:rPr lang="en-US" altLang="ja-JP" b="1" dirty="0"/>
-              <a:t>1</a:t>
-            </a:r>
-            <a:r>
-              <a:rPr lang="ja-JP" altLang="en-US" b="1" dirty="0"/>
-              <a:t>：表のみを抽出し</a:t>
-            </a:r>
-            <a:r>
-              <a:rPr lang="en-US" altLang="ja-JP" b="1" dirty="0"/>
-              <a:t>CSV</a:t>
-            </a:r>
-            <a:r>
-              <a:rPr lang="ja-JP" altLang="en-US" b="1" dirty="0"/>
-              <a:t>化</a:t>
-            </a:r>
-            <a:endParaRPr lang="en-US" altLang="ja-JP" b="1" dirty="0"/>
-          </a:p>
-          <a:p>
-            <a:r>
-              <a:rPr lang="ja-JP" altLang="en-US" b="1" dirty="0"/>
-              <a:t>　タイプ</a:t>
-            </a:r>
-            <a:r>
-              <a:rPr lang="en-US" altLang="ja-JP" b="1" dirty="0"/>
-              <a:t>2</a:t>
-            </a:r>
-            <a:r>
-              <a:rPr lang="ja-JP" altLang="en-US" b="1" dirty="0"/>
-              <a:t>：</a:t>
-            </a:r>
-            <a:r>
-              <a:rPr kumimoji="1" lang="ja-JP" altLang="en-US" b="1" dirty="0"/>
-              <a:t>文章から</a:t>
-            </a:r>
-            <a:r>
-              <a:rPr kumimoji="1" lang="en-US" altLang="ja-JP" b="1" dirty="0"/>
-              <a:t>AI</a:t>
-            </a:r>
-            <a:r>
-              <a:rPr kumimoji="1" lang="ja-JP" altLang="en-US" b="1" dirty="0"/>
-              <a:t>により</a:t>
-            </a:r>
-            <a:r>
-              <a:rPr kumimoji="1" lang="en-US" altLang="ja-JP" b="1" dirty="0"/>
-              <a:t>CSV</a:t>
-            </a:r>
-            <a:r>
-              <a:rPr kumimoji="1" lang="ja-JP" altLang="en-US" b="1" dirty="0"/>
-              <a:t>化</a:t>
-            </a:r>
-            <a:endParaRPr kumimoji="1" lang="ja-JP" altLang="en-US" dirty="0"/>
-          </a:p>
-        </p:txBody>
-      </p:sp>
+        <p:style>
+          <a:lnRef idx="1">
+            <a:schemeClr val="accent1"/>
+          </a:lnRef>
+          <a:fillRef idx="0">
+            <a:schemeClr val="accent1"/>
+          </a:fillRef>
+          <a:effectRef idx="0">
+            <a:schemeClr val="accent1"/>
+          </a:effectRef>
+          <a:fontRef idx="minor">
+            <a:schemeClr val="tx1"/>
+          </a:fontRef>
+        </p:style>
+      </p:cxnSp>
     </p:spTree>
     <p:extLst>
       <p:ext uri="{BB962C8B-B14F-4D97-AF65-F5344CB8AC3E}">
